--- a/chapter09/图片/pic.pptx
+++ b/chapter09/图片/pic.pptx
@@ -288,7 +288,7 @@
           <a:p>
             <a:fld id="{530820CF-B880-4189-942D-D702A7CBA730}" type="datetimeFigureOut">
               <a:rPr lang="zh-CN" altLang="en-US" smtClean="0"/>
-              <a:t>2020/3/6</a:t>
+              <a:t>2020/3/22</a:t>
             </a:fld>
             <a:endParaRPr lang="zh-CN" altLang="en-US"/>
           </a:p>
@@ -453,7 +453,7 @@
           <a:p>
             <a:fld id="{530820CF-B880-4189-942D-D702A7CBA730}" type="datetimeFigureOut">
               <a:rPr lang="zh-CN" altLang="en-US" smtClean="0"/>
-              <a:t>2020/3/6</a:t>
+              <a:t>2020/3/22</a:t>
             </a:fld>
             <a:endParaRPr lang="zh-CN" altLang="en-US"/>
           </a:p>
@@ -628,7 +628,7 @@
           <a:p>
             <a:fld id="{530820CF-B880-4189-942D-D702A7CBA730}" type="datetimeFigureOut">
               <a:rPr lang="zh-CN" altLang="en-US" smtClean="0"/>
-              <a:t>2020/3/6</a:t>
+              <a:t>2020/3/22</a:t>
             </a:fld>
             <a:endParaRPr lang="zh-CN" altLang="en-US"/>
           </a:p>
@@ -793,7 +793,7 @@
           <a:p>
             <a:fld id="{530820CF-B880-4189-942D-D702A7CBA730}" type="datetimeFigureOut">
               <a:rPr lang="zh-CN" altLang="en-US" smtClean="0"/>
-              <a:t>2020/3/6</a:t>
+              <a:t>2020/3/22</a:t>
             </a:fld>
             <a:endParaRPr lang="zh-CN" altLang="en-US"/>
           </a:p>
@@ -1034,7 +1034,7 @@
           <a:p>
             <a:fld id="{530820CF-B880-4189-942D-D702A7CBA730}" type="datetimeFigureOut">
               <a:rPr lang="zh-CN" altLang="en-US" smtClean="0"/>
-              <a:t>2020/3/6</a:t>
+              <a:t>2020/3/22</a:t>
             </a:fld>
             <a:endParaRPr lang="zh-CN" altLang="en-US"/>
           </a:p>
@@ -1317,7 +1317,7 @@
           <a:p>
             <a:fld id="{530820CF-B880-4189-942D-D702A7CBA730}" type="datetimeFigureOut">
               <a:rPr lang="zh-CN" altLang="en-US" smtClean="0"/>
-              <a:t>2020/3/6</a:t>
+              <a:t>2020/3/22</a:t>
             </a:fld>
             <a:endParaRPr lang="zh-CN" altLang="en-US"/>
           </a:p>
@@ -1734,7 +1734,7 @@
           <a:p>
             <a:fld id="{530820CF-B880-4189-942D-D702A7CBA730}" type="datetimeFigureOut">
               <a:rPr lang="zh-CN" altLang="en-US" smtClean="0"/>
-              <a:t>2020/3/6</a:t>
+              <a:t>2020/3/22</a:t>
             </a:fld>
             <a:endParaRPr lang="zh-CN" altLang="en-US"/>
           </a:p>
@@ -1847,7 +1847,7 @@
           <a:p>
             <a:fld id="{530820CF-B880-4189-942D-D702A7CBA730}" type="datetimeFigureOut">
               <a:rPr lang="zh-CN" altLang="en-US" smtClean="0"/>
-              <a:t>2020/3/6</a:t>
+              <a:t>2020/3/22</a:t>
             </a:fld>
             <a:endParaRPr lang="zh-CN" altLang="en-US"/>
           </a:p>
@@ -1937,7 +1937,7 @@
           <a:p>
             <a:fld id="{530820CF-B880-4189-942D-D702A7CBA730}" type="datetimeFigureOut">
               <a:rPr lang="zh-CN" altLang="en-US" smtClean="0"/>
-              <a:t>2020/3/6</a:t>
+              <a:t>2020/3/22</a:t>
             </a:fld>
             <a:endParaRPr lang="zh-CN" altLang="en-US"/>
           </a:p>
@@ -2209,7 +2209,7 @@
           <a:p>
             <a:fld id="{530820CF-B880-4189-942D-D702A7CBA730}" type="datetimeFigureOut">
               <a:rPr lang="zh-CN" altLang="en-US" smtClean="0"/>
-              <a:t>2020/3/6</a:t>
+              <a:t>2020/3/22</a:t>
             </a:fld>
             <a:endParaRPr lang="zh-CN" altLang="en-US"/>
           </a:p>
@@ -2457,7 +2457,7 @@
           <a:p>
             <a:fld id="{530820CF-B880-4189-942D-D702A7CBA730}" type="datetimeFigureOut">
               <a:rPr lang="zh-CN" altLang="en-US" smtClean="0"/>
-              <a:t>2020/3/6</a:t>
+              <a:t>2020/3/22</a:t>
             </a:fld>
             <a:endParaRPr lang="zh-CN" altLang="en-US"/>
           </a:p>
@@ -2665,7 +2665,7 @@
           <a:p>
             <a:fld id="{530820CF-B880-4189-942D-D702A7CBA730}" type="datetimeFigureOut">
               <a:rPr lang="zh-CN" altLang="en-US" smtClean="0"/>
-              <a:t>2020/3/6</a:t>
+              <a:t>2020/3/22</a:t>
             </a:fld>
             <a:endParaRPr lang="zh-CN" altLang="en-US"/>
           </a:p>
@@ -3057,7 +3057,7 @@
           <a:graphicData uri="http://schemas.openxmlformats.org/presentationml/2006/ole">
             <mc:AlternateContent xmlns:mc="http://schemas.openxmlformats.org/markup-compatibility/2006">
               <mc:Choice xmlns:v="urn:schemas-microsoft-com:vml" Requires="v">
-                <p:oleObj spid="_x0000_s1091" name="Equation" r:id="rId3" imgW="164880" imgH="228600" progId="Equation.DSMT4">
+                <p:oleObj spid="_x0000_s1166" name="Equation" r:id="rId3" imgW="164880" imgH="228600" progId="Equation.DSMT4">
                   <p:embed/>
                 </p:oleObj>
               </mc:Choice>
@@ -3228,7 +3228,7 @@
           <a:graphicData uri="http://schemas.openxmlformats.org/presentationml/2006/ole">
             <mc:AlternateContent xmlns:mc="http://schemas.openxmlformats.org/markup-compatibility/2006">
               <mc:Choice xmlns:v="urn:schemas-microsoft-com:vml" Requires="v">
-                <p:oleObj spid="_x0000_s1092" name="Equation" r:id="rId5" imgW="622080" imgH="241200" progId="Equation.DSMT4">
+                <p:oleObj spid="_x0000_s1167" name="Equation" r:id="rId5" imgW="622080" imgH="241200" progId="Equation.DSMT4">
                   <p:embed/>
                 </p:oleObj>
               </mc:Choice>
@@ -3326,7 +3326,7 @@
           <a:graphicData uri="http://schemas.openxmlformats.org/presentationml/2006/ole">
             <mc:AlternateContent xmlns:mc="http://schemas.openxmlformats.org/markup-compatibility/2006">
               <mc:Choice xmlns:v="urn:schemas-microsoft-com:vml" Requires="v">
-                <p:oleObj spid="_x0000_s1093" name="Equation" r:id="rId7" imgW="901440" imgH="253800" progId="Equation.DSMT4">
+                <p:oleObj spid="_x0000_s1168" name="Equation" r:id="rId7" imgW="901440" imgH="253800" progId="Equation.DSMT4">
                   <p:embed/>
                 </p:oleObj>
               </mc:Choice>
@@ -3491,7 +3491,7 @@
           <p:nvPr>
             <p:extLst>
               <p:ext uri="{D42A27DB-BD31-4B8C-83A1-F6EECF244321}">
-                <p14:modId xmlns:p14="http://schemas.microsoft.com/office/powerpoint/2010/main" val="2197001433"/>
+                <p14:modId xmlns:p14="http://schemas.microsoft.com/office/powerpoint/2010/main" val="4291281135"/>
               </p:ext>
             </p:extLst>
           </p:nvPr>
@@ -3504,7 +3504,7 @@
           <a:graphicData uri="http://schemas.openxmlformats.org/presentationml/2006/ole">
             <mc:AlternateContent xmlns:mc="http://schemas.openxmlformats.org/markup-compatibility/2006">
               <mc:Choice xmlns:v="urn:schemas-microsoft-com:vml" Requires="v">
-                <p:oleObj spid="_x0000_s1094" name="Equation" r:id="rId9" imgW="685800" imgH="253800" progId="Equation.DSMT4">
+                <p:oleObj spid="_x0000_s1169" name="Equation" r:id="rId9" imgW="685800" imgH="253800" progId="Equation.DSMT4">
                   <p:embed/>
                 </p:oleObj>
               </mc:Choice>
@@ -3630,7 +3630,7 @@
           <a:graphicData uri="http://schemas.openxmlformats.org/presentationml/2006/ole">
             <mc:AlternateContent xmlns:mc="http://schemas.openxmlformats.org/markup-compatibility/2006">
               <mc:Choice xmlns:v="urn:schemas-microsoft-com:vml" Requires="v">
-                <p:oleObj spid="_x0000_s1095" name="Equation" r:id="rId11" imgW="152280" imgH="228600" progId="Equation.DSMT4">
+                <p:oleObj spid="_x0000_s1170" name="Equation" r:id="rId11" imgW="152280" imgH="228600" progId="Equation.DSMT4">
                   <p:embed/>
                 </p:oleObj>
               </mc:Choice>

--- a/chapter09/图片/pic.pptx
+++ b/chapter09/图片/pic.pptx
@@ -288,7 +288,7 @@
           <a:p>
             <a:fld id="{530820CF-B880-4189-942D-D702A7CBA730}" type="datetimeFigureOut">
               <a:rPr lang="zh-CN" altLang="en-US" smtClean="0"/>
-              <a:t>2020/3/22</a:t>
+              <a:t>2020/6/17</a:t>
             </a:fld>
             <a:endParaRPr lang="zh-CN" altLang="en-US"/>
           </a:p>
@@ -453,7 +453,7 @@
           <a:p>
             <a:fld id="{530820CF-B880-4189-942D-D702A7CBA730}" type="datetimeFigureOut">
               <a:rPr lang="zh-CN" altLang="en-US" smtClean="0"/>
-              <a:t>2020/3/22</a:t>
+              <a:t>2020/6/17</a:t>
             </a:fld>
             <a:endParaRPr lang="zh-CN" altLang="en-US"/>
           </a:p>
@@ -628,7 +628,7 @@
           <a:p>
             <a:fld id="{530820CF-B880-4189-942D-D702A7CBA730}" type="datetimeFigureOut">
               <a:rPr lang="zh-CN" altLang="en-US" smtClean="0"/>
-              <a:t>2020/3/22</a:t>
+              <a:t>2020/6/17</a:t>
             </a:fld>
             <a:endParaRPr lang="zh-CN" altLang="en-US"/>
           </a:p>
@@ -793,7 +793,7 @@
           <a:p>
             <a:fld id="{530820CF-B880-4189-942D-D702A7CBA730}" type="datetimeFigureOut">
               <a:rPr lang="zh-CN" altLang="en-US" smtClean="0"/>
-              <a:t>2020/3/22</a:t>
+              <a:t>2020/6/17</a:t>
             </a:fld>
             <a:endParaRPr lang="zh-CN" altLang="en-US"/>
           </a:p>
@@ -1034,7 +1034,7 @@
           <a:p>
             <a:fld id="{530820CF-B880-4189-942D-D702A7CBA730}" type="datetimeFigureOut">
               <a:rPr lang="zh-CN" altLang="en-US" smtClean="0"/>
-              <a:t>2020/3/22</a:t>
+              <a:t>2020/6/17</a:t>
             </a:fld>
             <a:endParaRPr lang="zh-CN" altLang="en-US"/>
           </a:p>
@@ -1317,7 +1317,7 @@
           <a:p>
             <a:fld id="{530820CF-B880-4189-942D-D702A7CBA730}" type="datetimeFigureOut">
               <a:rPr lang="zh-CN" altLang="en-US" smtClean="0"/>
-              <a:t>2020/3/22</a:t>
+              <a:t>2020/6/17</a:t>
             </a:fld>
             <a:endParaRPr lang="zh-CN" altLang="en-US"/>
           </a:p>
@@ -1734,7 +1734,7 @@
           <a:p>
             <a:fld id="{530820CF-B880-4189-942D-D702A7CBA730}" type="datetimeFigureOut">
               <a:rPr lang="zh-CN" altLang="en-US" smtClean="0"/>
-              <a:t>2020/3/22</a:t>
+              <a:t>2020/6/17</a:t>
             </a:fld>
             <a:endParaRPr lang="zh-CN" altLang="en-US"/>
           </a:p>
@@ -1847,7 +1847,7 @@
           <a:p>
             <a:fld id="{530820CF-B880-4189-942D-D702A7CBA730}" type="datetimeFigureOut">
               <a:rPr lang="zh-CN" altLang="en-US" smtClean="0"/>
-              <a:t>2020/3/22</a:t>
+              <a:t>2020/6/17</a:t>
             </a:fld>
             <a:endParaRPr lang="zh-CN" altLang="en-US"/>
           </a:p>
@@ -1937,7 +1937,7 @@
           <a:p>
             <a:fld id="{530820CF-B880-4189-942D-D702A7CBA730}" type="datetimeFigureOut">
               <a:rPr lang="zh-CN" altLang="en-US" smtClean="0"/>
-              <a:t>2020/3/22</a:t>
+              <a:t>2020/6/17</a:t>
             </a:fld>
             <a:endParaRPr lang="zh-CN" altLang="en-US"/>
           </a:p>
@@ -2209,7 +2209,7 @@
           <a:p>
             <a:fld id="{530820CF-B880-4189-942D-D702A7CBA730}" type="datetimeFigureOut">
               <a:rPr lang="zh-CN" altLang="en-US" smtClean="0"/>
-              <a:t>2020/3/22</a:t>
+              <a:t>2020/6/17</a:t>
             </a:fld>
             <a:endParaRPr lang="zh-CN" altLang="en-US"/>
           </a:p>
@@ -2457,7 +2457,7 @@
           <a:p>
             <a:fld id="{530820CF-B880-4189-942D-D702A7CBA730}" type="datetimeFigureOut">
               <a:rPr lang="zh-CN" altLang="en-US" smtClean="0"/>
-              <a:t>2020/3/22</a:t>
+              <a:t>2020/6/17</a:t>
             </a:fld>
             <a:endParaRPr lang="zh-CN" altLang="en-US"/>
           </a:p>
@@ -2665,7 +2665,7 @@
           <a:p>
             <a:fld id="{530820CF-B880-4189-942D-D702A7CBA730}" type="datetimeFigureOut">
               <a:rPr lang="zh-CN" altLang="en-US" smtClean="0"/>
-              <a:t>2020/3/22</a:t>
+              <a:t>2020/6/17</a:t>
             </a:fld>
             <a:endParaRPr lang="zh-CN" altLang="en-US"/>
           </a:p>
@@ -3057,7 +3057,7 @@
           <a:graphicData uri="http://schemas.openxmlformats.org/presentationml/2006/ole">
             <mc:AlternateContent xmlns:mc="http://schemas.openxmlformats.org/markup-compatibility/2006">
               <mc:Choice xmlns:v="urn:schemas-microsoft-com:vml" Requires="v">
-                <p:oleObj spid="_x0000_s1166" name="Equation" r:id="rId3" imgW="164880" imgH="228600" progId="Equation.DSMT4">
+                <p:oleObj spid="_x0000_s1176" name="Equation" r:id="rId3" imgW="164880" imgH="228600" progId="Equation.DSMT4">
                   <p:embed/>
                 </p:oleObj>
               </mc:Choice>
@@ -3215,7 +3215,7 @@
           <p:nvPr>
             <p:extLst>
               <p:ext uri="{D42A27DB-BD31-4B8C-83A1-F6EECF244321}">
-                <p14:modId xmlns:p14="http://schemas.microsoft.com/office/powerpoint/2010/main" val="1477544583"/>
+                <p14:modId xmlns:p14="http://schemas.microsoft.com/office/powerpoint/2010/main" val="238800120"/>
               </p:ext>
             </p:extLst>
           </p:nvPr>
@@ -3228,7 +3228,7 @@
           <a:graphicData uri="http://schemas.openxmlformats.org/presentationml/2006/ole">
             <mc:AlternateContent xmlns:mc="http://schemas.openxmlformats.org/markup-compatibility/2006">
               <mc:Choice xmlns:v="urn:schemas-microsoft-com:vml" Requires="v">
-                <p:oleObj spid="_x0000_s1167" name="Equation" r:id="rId5" imgW="622080" imgH="241200" progId="Equation.DSMT4">
+                <p:oleObj spid="_x0000_s1177" name="Equation" r:id="rId5" imgW="622080" imgH="241200" progId="Equation.DSMT4">
                   <p:embed/>
                 </p:oleObj>
               </mc:Choice>
@@ -3326,7 +3326,7 @@
           <a:graphicData uri="http://schemas.openxmlformats.org/presentationml/2006/ole">
             <mc:AlternateContent xmlns:mc="http://schemas.openxmlformats.org/markup-compatibility/2006">
               <mc:Choice xmlns:v="urn:schemas-microsoft-com:vml" Requires="v">
-                <p:oleObj spid="_x0000_s1168" name="Equation" r:id="rId7" imgW="901440" imgH="253800" progId="Equation.DSMT4">
+                <p:oleObj spid="_x0000_s1178" name="Equation" r:id="rId7" imgW="901440" imgH="253800" progId="Equation.DSMT4">
                   <p:embed/>
                 </p:oleObj>
               </mc:Choice>
@@ -3504,7 +3504,7 @@
           <a:graphicData uri="http://schemas.openxmlformats.org/presentationml/2006/ole">
             <mc:AlternateContent xmlns:mc="http://schemas.openxmlformats.org/markup-compatibility/2006">
               <mc:Choice xmlns:v="urn:schemas-microsoft-com:vml" Requires="v">
-                <p:oleObj spid="_x0000_s1169" name="Equation" r:id="rId9" imgW="685800" imgH="253800" progId="Equation.DSMT4">
+                <p:oleObj spid="_x0000_s1179" name="Equation" r:id="rId9" imgW="685800" imgH="253800" progId="Equation.DSMT4">
                   <p:embed/>
                 </p:oleObj>
               </mc:Choice>
@@ -3630,7 +3630,7 @@
           <a:graphicData uri="http://schemas.openxmlformats.org/presentationml/2006/ole">
             <mc:AlternateContent xmlns:mc="http://schemas.openxmlformats.org/markup-compatibility/2006">
               <mc:Choice xmlns:v="urn:schemas-microsoft-com:vml" Requires="v">
-                <p:oleObj spid="_x0000_s1170" name="Equation" r:id="rId11" imgW="152280" imgH="228600" progId="Equation.DSMT4">
+                <p:oleObj spid="_x0000_s1180" name="Equation" r:id="rId11" imgW="152280" imgH="228600" progId="Equation.DSMT4">
                   <p:embed/>
                 </p:oleObj>
               </mc:Choice>
@@ -3781,7 +3781,7 @@
         <a:sysClr val="windowText" lastClr="000000"/>
       </a:dk1>
       <a:lt1>
-        <a:sysClr val="window" lastClr="CCE8CF"/>
+        <a:sysClr val="window" lastClr="FFFFFF"/>
       </a:lt1>
       <a:dk2>
         <a:srgbClr val="1F497D"/>
